--- a/flashtalk/flashtalk.pptx
+++ b/flashtalk/flashtalk.pptx
@@ -42604,7 +42604,7 @@
         </p:blipFill>
         <p:spPr bwMode="auto">
           <a:xfrm>
-            <a:off x="6408452" y="1268760"/>
+            <a:off x="6408452" y="980728"/>
             <a:ext cx="2160240" cy="2160240"/>
           </a:xfrm>
           <a:prstGeom prst="rect">
@@ -42643,7 +42643,7 @@
         </p:blipFill>
         <p:spPr bwMode="auto">
           <a:xfrm>
-            <a:off x="6579846" y="3750712"/>
+            <a:off x="6579846" y="3633747"/>
             <a:ext cx="1817452" cy="2414592"/>
           </a:xfrm>
           <a:prstGeom prst="rect">
@@ -42661,6 +42661,100 @@
           </a:extLst>
         </p:spPr>
       </p:pic>
+      <p:sp>
+        <p:nvSpPr>
+          <p:cNvPr id="2" name="TextBox 1"/>
+          <p:cNvSpPr txBox="1"/>
+          <p:nvPr/>
+        </p:nvSpPr>
+        <p:spPr>
+          <a:xfrm>
+            <a:off x="6346439" y="3177842"/>
+            <a:ext cx="2797561" cy="215444"/>
+          </a:xfrm>
+          <a:prstGeom prst="rect">
+            <a:avLst/>
+          </a:prstGeom>
+          <a:noFill/>
+        </p:spPr>
+        <p:txBody>
+          <a:bodyPr wrap="none" rtlCol="0">
+            <a:spAutoFit/>
+          </a:bodyPr>
+          <a:lstStyle/>
+          <a:p>
+            <a:r>
+              <a:rPr lang="en-US" sz="800" i="1" dirty="0">
+                <a:solidFill>
+                  <a:schemeClr val="bg1">
+                    <a:lumMod val="65000"/>
+                  </a:schemeClr>
+                </a:solidFill>
+              </a:rPr>
+              <a:t>Image: Tim Ireland/PA Archive/Press Association Images</a:t>
+            </a:r>
+            <a:endParaRPr lang="fr-LU" sz="800" i="1" dirty="0">
+              <a:solidFill>
+                <a:schemeClr val="bg1">
+                  <a:lumMod val="65000"/>
+                </a:schemeClr>
+              </a:solidFill>
+            </a:endParaRPr>
+          </a:p>
+        </p:txBody>
+      </p:sp>
+      <p:sp>
+        <p:nvSpPr>
+          <p:cNvPr id="9" name="TextBox 8"/>
+          <p:cNvSpPr txBox="1"/>
+          <p:nvPr/>
+        </p:nvSpPr>
+        <p:spPr>
+          <a:xfrm>
+            <a:off x="6572950" y="6065992"/>
+            <a:ext cx="1699504" cy="215444"/>
+          </a:xfrm>
+          <a:prstGeom prst="rect">
+            <a:avLst/>
+          </a:prstGeom>
+          <a:noFill/>
+        </p:spPr>
+        <p:txBody>
+          <a:bodyPr wrap="none" rtlCol="0">
+            <a:spAutoFit/>
+          </a:bodyPr>
+          <a:lstStyle/>
+          <a:p>
+            <a:r>
+              <a:rPr lang="en-US" sz="800" i="1" dirty="0" smtClean="0">
+                <a:solidFill>
+                  <a:schemeClr val="bg1">
+                    <a:lumMod val="65000"/>
+                  </a:schemeClr>
+                </a:solidFill>
+              </a:rPr>
+              <a:t>Image: http</a:t>
+            </a:r>
+            <a:r>
+              <a:rPr lang="en-US" sz="800" i="1" dirty="0">
+                <a:solidFill>
+                  <a:schemeClr val="bg1">
+                    <a:lumMod val="65000"/>
+                  </a:schemeClr>
+                </a:solidFill>
+              </a:rPr>
+              <a:t>://www.etatrust.org.uk</a:t>
+            </a:r>
+            <a:endParaRPr lang="fr-LU" sz="800" i="1" dirty="0">
+              <a:solidFill>
+                <a:schemeClr val="bg1">
+                  <a:lumMod val="65000"/>
+                </a:schemeClr>
+              </a:solidFill>
+            </a:endParaRPr>
+          </a:p>
+        </p:txBody>
+      </p:sp>
     </p:spTree>
     <p:extLst>
       <p:ext uri="{BB962C8B-B14F-4D97-AF65-F5344CB8AC3E}">
